--- a/wf/wireframe.pptx
+++ b/wf/wireframe.pptx
@@ -286,7 +286,7 @@
           <a:p>
             <a:fld id="{B3D88C36-5ABA-493D-8642-E0099D022A03}" type="datetimeFigureOut">
               <a:rPr lang="en-IN" smtClean="0"/>
-              <a:t>19-06-2025</a:t>
+              <a:t>12-07-2025</a:t>
             </a:fld>
             <a:endParaRPr lang="en-IN"/>
           </a:p>
@@ -703,7 +703,7 @@
           <a:p>
             <a:fld id="{55355329-8CC7-4E8D-82A1-6E24F126CD0C}" type="datetimeFigureOut">
               <a:rPr lang="en-IN" smtClean="0"/>
-              <a:t>19-06-2025</a:t>
+              <a:t>12-07-2025</a:t>
             </a:fld>
             <a:endParaRPr lang="en-IN"/>
           </a:p>
@@ -903,7 +903,7 @@
           <a:p>
             <a:fld id="{55355329-8CC7-4E8D-82A1-6E24F126CD0C}" type="datetimeFigureOut">
               <a:rPr lang="en-IN" smtClean="0"/>
-              <a:t>19-06-2025</a:t>
+              <a:t>12-07-2025</a:t>
             </a:fld>
             <a:endParaRPr lang="en-IN"/>
           </a:p>
@@ -1113,7 +1113,7 @@
           <a:p>
             <a:fld id="{55355329-8CC7-4E8D-82A1-6E24F126CD0C}" type="datetimeFigureOut">
               <a:rPr lang="en-IN" smtClean="0"/>
-              <a:t>19-06-2025</a:t>
+              <a:t>12-07-2025</a:t>
             </a:fld>
             <a:endParaRPr lang="en-IN"/>
           </a:p>
@@ -1313,7 +1313,7 @@
           <a:p>
             <a:fld id="{55355329-8CC7-4E8D-82A1-6E24F126CD0C}" type="datetimeFigureOut">
               <a:rPr lang="en-IN" smtClean="0"/>
-              <a:t>19-06-2025</a:t>
+              <a:t>12-07-2025</a:t>
             </a:fld>
             <a:endParaRPr lang="en-IN"/>
           </a:p>
@@ -1589,7 +1589,7 @@
           <a:p>
             <a:fld id="{55355329-8CC7-4E8D-82A1-6E24F126CD0C}" type="datetimeFigureOut">
               <a:rPr lang="en-IN" smtClean="0"/>
-              <a:t>19-06-2025</a:t>
+              <a:t>12-07-2025</a:t>
             </a:fld>
             <a:endParaRPr lang="en-IN"/>
           </a:p>
@@ -1857,7 +1857,7 @@
           <a:p>
             <a:fld id="{55355329-8CC7-4E8D-82A1-6E24F126CD0C}" type="datetimeFigureOut">
               <a:rPr lang="en-IN" smtClean="0"/>
-              <a:t>19-06-2025</a:t>
+              <a:t>12-07-2025</a:t>
             </a:fld>
             <a:endParaRPr lang="en-IN"/>
           </a:p>
@@ -2272,7 +2272,7 @@
           <a:p>
             <a:fld id="{55355329-8CC7-4E8D-82A1-6E24F126CD0C}" type="datetimeFigureOut">
               <a:rPr lang="en-IN" smtClean="0"/>
-              <a:t>19-06-2025</a:t>
+              <a:t>12-07-2025</a:t>
             </a:fld>
             <a:endParaRPr lang="en-IN"/>
           </a:p>
@@ -2414,7 +2414,7 @@
           <a:p>
             <a:fld id="{55355329-8CC7-4E8D-82A1-6E24F126CD0C}" type="datetimeFigureOut">
               <a:rPr lang="en-IN" smtClean="0"/>
-              <a:t>19-06-2025</a:t>
+              <a:t>12-07-2025</a:t>
             </a:fld>
             <a:endParaRPr lang="en-IN"/>
           </a:p>
@@ -2527,7 +2527,7 @@
           <a:p>
             <a:fld id="{55355329-8CC7-4E8D-82A1-6E24F126CD0C}" type="datetimeFigureOut">
               <a:rPr lang="en-IN" smtClean="0"/>
-              <a:t>19-06-2025</a:t>
+              <a:t>12-07-2025</a:t>
             </a:fld>
             <a:endParaRPr lang="en-IN"/>
           </a:p>
@@ -2840,7 +2840,7 @@
           <a:p>
             <a:fld id="{55355329-8CC7-4E8D-82A1-6E24F126CD0C}" type="datetimeFigureOut">
               <a:rPr lang="en-IN" smtClean="0"/>
-              <a:t>19-06-2025</a:t>
+              <a:t>12-07-2025</a:t>
             </a:fld>
             <a:endParaRPr lang="en-IN"/>
           </a:p>
@@ -3129,7 +3129,7 @@
           <a:p>
             <a:fld id="{55355329-8CC7-4E8D-82A1-6E24F126CD0C}" type="datetimeFigureOut">
               <a:rPr lang="en-IN" smtClean="0"/>
-              <a:t>19-06-2025</a:t>
+              <a:t>12-07-2025</a:t>
             </a:fld>
             <a:endParaRPr lang="en-IN"/>
           </a:p>
@@ -3372,7 +3372,7 @@
           <a:p>
             <a:fld id="{55355329-8CC7-4E8D-82A1-6E24F126CD0C}" type="datetimeFigureOut">
               <a:rPr lang="en-IN" smtClean="0"/>
-              <a:t>19-06-2025</a:t>
+              <a:t>12-07-2025</a:t>
             </a:fld>
             <a:endParaRPr lang="en-IN"/>
           </a:p>
@@ -6892,7 +6892,7 @@
         </p:nvSpPr>
         <p:spPr>
           <a:xfrm>
-            <a:off x="2162042" y="2349910"/>
+            <a:off x="4826584" y="2261922"/>
             <a:ext cx="2686376" cy="369332"/>
           </a:xfrm>
           <a:prstGeom prst="rect">
